--- a/2、正式课/1、第一周/2、第二天/新一次.pptx
+++ b/2、正式课/1、第一周/2、第二天/新一次.pptx
@@ -289,7 +289,7 @@
             <a:fld id="{530820CF-B880-4189-942D-D702A7CBA730}" type="datetimeFigureOut">
               <a:rPr lang="zh-CN" altLang="en-US" smtClean="0"/>
               <a:pPr/>
-              <a:t>2019/11/19</a:t>
+              <a:t>2019/12/31</a:t>
             </a:fld>
             <a:endParaRPr lang="zh-CN" altLang="en-US"/>
           </a:p>
@@ -456,7 +456,7 @@
             <a:fld id="{530820CF-B880-4189-942D-D702A7CBA730}" type="datetimeFigureOut">
               <a:rPr lang="zh-CN" altLang="en-US" smtClean="0"/>
               <a:pPr/>
-              <a:t>2019/11/19</a:t>
+              <a:t>2019/12/31</a:t>
             </a:fld>
             <a:endParaRPr lang="zh-CN" altLang="en-US"/>
           </a:p>
@@ -633,7 +633,7 @@
             <a:fld id="{530820CF-B880-4189-942D-D702A7CBA730}" type="datetimeFigureOut">
               <a:rPr lang="zh-CN" altLang="en-US" smtClean="0"/>
               <a:pPr/>
-              <a:t>2019/11/19</a:t>
+              <a:t>2019/12/31</a:t>
             </a:fld>
             <a:endParaRPr lang="zh-CN" altLang="en-US"/>
           </a:p>
@@ -800,7 +800,7 @@
             <a:fld id="{530820CF-B880-4189-942D-D702A7CBA730}" type="datetimeFigureOut">
               <a:rPr lang="zh-CN" altLang="en-US" smtClean="0"/>
               <a:pPr/>
-              <a:t>2019/11/19</a:t>
+              <a:t>2019/12/31</a:t>
             </a:fld>
             <a:endParaRPr lang="zh-CN" altLang="en-US"/>
           </a:p>
@@ -1043,7 +1043,7 @@
             <a:fld id="{530820CF-B880-4189-942D-D702A7CBA730}" type="datetimeFigureOut">
               <a:rPr lang="zh-CN" altLang="en-US" smtClean="0"/>
               <a:pPr/>
-              <a:t>2019/11/19</a:t>
+              <a:t>2019/12/31</a:t>
             </a:fld>
             <a:endParaRPr lang="zh-CN" altLang="en-US"/>
           </a:p>
@@ -1328,7 +1328,7 @@
             <a:fld id="{530820CF-B880-4189-942D-D702A7CBA730}" type="datetimeFigureOut">
               <a:rPr lang="zh-CN" altLang="en-US" smtClean="0"/>
               <a:pPr/>
-              <a:t>2019/11/19</a:t>
+              <a:t>2019/12/31</a:t>
             </a:fld>
             <a:endParaRPr lang="zh-CN" altLang="en-US"/>
           </a:p>
@@ -1747,7 +1747,7 @@
             <a:fld id="{530820CF-B880-4189-942D-D702A7CBA730}" type="datetimeFigureOut">
               <a:rPr lang="zh-CN" altLang="en-US" smtClean="0"/>
               <a:pPr/>
-              <a:t>2019/11/19</a:t>
+              <a:t>2019/12/31</a:t>
             </a:fld>
             <a:endParaRPr lang="zh-CN" altLang="en-US"/>
           </a:p>
@@ -1862,7 +1862,7 @@
             <a:fld id="{530820CF-B880-4189-942D-D702A7CBA730}" type="datetimeFigureOut">
               <a:rPr lang="zh-CN" altLang="en-US" smtClean="0"/>
               <a:pPr/>
-              <a:t>2019/11/19</a:t>
+              <a:t>2019/12/31</a:t>
             </a:fld>
             <a:endParaRPr lang="zh-CN" altLang="en-US"/>
           </a:p>
@@ -1954,7 +1954,7 @@
             <a:fld id="{530820CF-B880-4189-942D-D702A7CBA730}" type="datetimeFigureOut">
               <a:rPr lang="zh-CN" altLang="en-US" smtClean="0"/>
               <a:pPr/>
-              <a:t>2019/11/19</a:t>
+              <a:t>2019/12/31</a:t>
             </a:fld>
             <a:endParaRPr lang="zh-CN" altLang="en-US"/>
           </a:p>
@@ -2228,7 +2228,7 @@
             <a:fld id="{530820CF-B880-4189-942D-D702A7CBA730}" type="datetimeFigureOut">
               <a:rPr lang="zh-CN" altLang="en-US" smtClean="0"/>
               <a:pPr/>
-              <a:t>2019/11/19</a:t>
+              <a:t>2019/12/31</a:t>
             </a:fld>
             <a:endParaRPr lang="zh-CN" altLang="en-US"/>
           </a:p>
@@ -2478,7 +2478,7 @@
             <a:fld id="{530820CF-B880-4189-942D-D702A7CBA730}" type="datetimeFigureOut">
               <a:rPr lang="zh-CN" altLang="en-US" smtClean="0"/>
               <a:pPr/>
-              <a:t>2019/11/19</a:t>
+              <a:t>2019/12/31</a:t>
             </a:fld>
             <a:endParaRPr lang="zh-CN" altLang="en-US"/>
           </a:p>
@@ -2688,7 +2688,7 @@
             <a:fld id="{530820CF-B880-4189-942D-D702A7CBA730}" type="datetimeFigureOut">
               <a:rPr lang="zh-CN" altLang="en-US" smtClean="0"/>
               <a:pPr/>
-              <a:t>2019/11/19</a:t>
+              <a:t>2019/12/31</a:t>
             </a:fld>
             <a:endParaRPr lang="zh-CN" altLang="en-US"/>
           </a:p>
@@ -3297,11 +3297,7 @@
           <a:p>
             <a:r>
               <a:rPr lang="zh-CN" altLang="en-US" dirty="0" smtClean="0"/>
-              <a:t>代</a:t>
-            </a:r>
-            <a:r>
-              <a:rPr lang="zh-CN" altLang="en-US" dirty="0" smtClean="0"/>
-              <a:t>码执行</a:t>
+              <a:t>代码执行</a:t>
             </a:r>
             <a:endParaRPr lang="zh-CN" altLang="en-US" dirty="0"/>
           </a:p>
@@ -3567,11 +3563,7 @@
           <a:p>
             <a:r>
               <a:rPr lang="en-US" altLang="zh-CN" dirty="0" smtClean="0"/>
-              <a:t>‘</a:t>
-            </a:r>
-            <a:r>
-              <a:rPr lang="en-US" altLang="zh-CN" dirty="0" smtClean="0"/>
-              <a:t> var n = 2;</a:t>
+              <a:t>‘ var n = 2;</a:t>
             </a:r>
           </a:p>
           <a:p>
@@ -3673,11 +3665,7 @@
           <a:p>
             <a:r>
               <a:rPr lang="en-US" altLang="zh-CN" dirty="0" smtClean="0"/>
-              <a:t> var n = 1</a:t>
-            </a:r>
-            <a:r>
-              <a:rPr lang="en-US" altLang="zh-CN" dirty="0" smtClean="0"/>
-              <a:t>;</a:t>
+              <a:t> var n = 1;</a:t>
             </a:r>
           </a:p>
           <a:p>
@@ -3689,31 +3677,19 @@
           <a:p>
             <a:r>
               <a:rPr lang="en-US" altLang="zh-CN" dirty="0" smtClean="0"/>
-              <a:t>  var x = fn</a:t>
-            </a:r>
-            <a:r>
-              <a:rPr lang="en-US" altLang="zh-CN" dirty="0" smtClean="0"/>
-              <a:t>();</a:t>
-            </a:r>
-          </a:p>
-          <a:p>
-            <a:r>
-              <a:rPr lang="en-US" altLang="zh-CN" dirty="0" smtClean="0"/>
-              <a:t>  x</a:t>
-            </a:r>
-            <a:r>
-              <a:rPr lang="en-US" altLang="zh-CN" dirty="0" smtClean="0"/>
-              <a:t>();</a:t>
-            </a:r>
-          </a:p>
-          <a:p>
-            <a:r>
-              <a:rPr lang="en-US" altLang="zh-CN" dirty="0" smtClean="0"/>
-              <a:t> console.log(n</a:t>
-            </a:r>
-            <a:r>
-              <a:rPr lang="en-US" altLang="zh-CN" dirty="0" smtClean="0"/>
-              <a:t>); // 1</a:t>
+              <a:t>  var x = fn();</a:t>
+            </a:r>
+          </a:p>
+          <a:p>
+            <a:r>
+              <a:rPr lang="en-US" altLang="zh-CN" dirty="0" smtClean="0"/>
+              <a:t>  x();</a:t>
+            </a:r>
+          </a:p>
+          <a:p>
+            <a:r>
+              <a:rPr lang="en-US" altLang="zh-CN" dirty="0" smtClean="0"/>
+              <a:t> console.log(n); // 1</a:t>
             </a:r>
             <a:endParaRPr lang="zh-CN" altLang="en-US" dirty="0"/>
           </a:p>
@@ -3861,15 +3837,7 @@
             </a:r>
             <a:r>
               <a:rPr lang="zh-CN" altLang="en-US" dirty="0" smtClean="0"/>
-              <a:t>，</a:t>
-            </a:r>
-            <a:r>
-              <a:rPr lang="zh-CN" altLang="en-US" dirty="0" smtClean="0"/>
-              <a:t>他</a:t>
-            </a:r>
-            <a:r>
-              <a:rPr lang="zh-CN" altLang="en-US" dirty="0" smtClean="0"/>
-              <a:t>的上一级作用域是全局</a:t>
+              <a:t>，他的上一级作用域是全局</a:t>
             </a:r>
             <a:endParaRPr lang="zh-CN" altLang="en-US" dirty="0"/>
           </a:p>
@@ -4217,11 +4185,7 @@
           <a:p>
             <a:r>
               <a:rPr lang="en-US" altLang="zh-CN" dirty="0" smtClean="0"/>
-              <a:t> var n = 2</a:t>
-            </a:r>
-            <a:r>
-              <a:rPr lang="en-US" altLang="zh-CN" dirty="0" smtClean="0"/>
-              <a:t>;</a:t>
+              <a:t> var n = 2;</a:t>
             </a:r>
           </a:p>
           <a:p>
@@ -4316,11 +4280,7 @@
             </a:r>
             <a:r>
               <a:rPr lang="zh-CN" altLang="en-US" dirty="0" smtClean="0"/>
-              <a:t>执</a:t>
-            </a:r>
-            <a:r>
-              <a:rPr lang="zh-CN" altLang="en-US" dirty="0" smtClean="0"/>
-              <a:t>行形成私有作用域</a:t>
+              <a:t>执行形成私有作用域</a:t>
             </a:r>
             <a:r>
               <a:rPr lang="en-US" altLang="zh-CN" dirty="0" smtClean="0"/>
@@ -4335,11 +4295,7 @@
           <a:p>
             <a:r>
               <a:rPr lang="zh-CN" altLang="en-US" dirty="0" smtClean="0"/>
-              <a:t>他</a:t>
-            </a:r>
-            <a:r>
-              <a:rPr lang="zh-CN" altLang="en-US" dirty="0" smtClean="0"/>
-              <a:t>的上一级作用域是</a:t>
+              <a:t>他的上一级作用域是</a:t>
             </a:r>
             <a:r>
               <a:rPr lang="en-US" altLang="zh-CN" dirty="0" smtClean="0"/>
@@ -4373,21 +4329,13 @@
           <a:p>
             <a:r>
               <a:rPr lang="en-US" altLang="zh-CN" dirty="0" smtClean="0"/>
-              <a:t>‘</a:t>
-            </a:r>
-            <a:r>
-              <a:rPr lang="en-US" altLang="zh-CN" dirty="0" smtClean="0"/>
-              <a:t> n--;</a:t>
-            </a:r>
-          </a:p>
-          <a:p>
-            <a:r>
-              <a:rPr lang="en-US" altLang="zh-CN" dirty="0" smtClean="0"/>
-              <a:t>console.log(n</a:t>
-            </a:r>
-            <a:r>
-              <a:rPr lang="en-US" altLang="zh-CN" dirty="0" smtClean="0"/>
-              <a:t>);</a:t>
+              <a:t>‘ n--;</a:t>
+            </a:r>
+          </a:p>
+          <a:p>
+            <a:r>
+              <a:rPr lang="en-US" altLang="zh-CN" dirty="0" smtClean="0"/>
+              <a:t>console.log(n);</a:t>
             </a:r>
           </a:p>
           <a:p>
@@ -4489,13 +4437,8 @@
           <a:p>
             <a:r>
               <a:rPr lang="en-US" altLang="zh-CN" dirty="0" smtClean="0"/>
-              <a:t> </a:t>
-            </a:r>
-            <a:r>
-              <a:rPr lang="en-US" altLang="zh-CN" dirty="0" smtClean="0"/>
-              <a:t>console.log(n); // 1</a:t>
-            </a:r>
-            <a:endParaRPr lang="en-US" altLang="zh-CN" dirty="0" smtClean="0"/>
+              <a:t> console.log(n); // 1</a:t>
+            </a:r>
           </a:p>
           <a:p>
             <a:endParaRPr lang="zh-CN" altLang="en-US" dirty="0"/>
@@ -4602,7 +4545,7 @@
         </p:nvSpPr>
         <p:spPr>
           <a:xfrm>
-            <a:off x="11665421" y="1666453"/>
+            <a:off x="11665421" y="1594445"/>
             <a:ext cx="2880320" cy="2808312"/>
           </a:xfrm>
           <a:prstGeom prst="rect">
@@ -4645,7 +4588,7 @@
         </p:nvSpPr>
         <p:spPr>
           <a:xfrm>
-            <a:off x="11881445" y="1306413"/>
+            <a:off x="11881445" y="1234405"/>
             <a:ext cx="2856872" cy="646331"/>
           </a:xfrm>
           <a:prstGeom prst="rect">
@@ -4661,19 +4604,11 @@
           <a:p>
             <a:r>
               <a:rPr lang="en-US" altLang="zh-CN" dirty="0" smtClean="0"/>
-              <a:t>x</a:t>
-            </a:r>
-            <a:r>
-              <a:rPr lang="en-US" altLang="zh-CN" dirty="0" smtClean="0"/>
-              <a:t>()</a:t>
+              <a:t>x()</a:t>
             </a:r>
             <a:r>
               <a:rPr lang="zh-CN" altLang="en-US" dirty="0" smtClean="0"/>
-              <a:t>执</a:t>
-            </a:r>
-            <a:r>
-              <a:rPr lang="zh-CN" altLang="en-US" dirty="0" smtClean="0"/>
-              <a:t>行形成私有作用域</a:t>
+              <a:t>执行形成私有作用域</a:t>
             </a:r>
             <a:r>
               <a:rPr lang="en-US" altLang="zh-CN" dirty="0" smtClean="0"/>
@@ -4688,11 +4623,7 @@
           <a:p>
             <a:r>
               <a:rPr lang="zh-CN" altLang="en-US" dirty="0" smtClean="0"/>
-              <a:t>他</a:t>
-            </a:r>
-            <a:r>
-              <a:rPr lang="zh-CN" altLang="en-US" dirty="0" smtClean="0"/>
-              <a:t>的上一级作用域是</a:t>
+              <a:t>他的上一级作用域是</a:t>
             </a:r>
             <a:r>
               <a:rPr lang="en-US" altLang="zh-CN" dirty="0" smtClean="0"/>
@@ -4710,7 +4641,7 @@
         </p:nvCxnSpPr>
         <p:spPr>
           <a:xfrm>
-            <a:off x="11665421" y="2530549"/>
+            <a:off x="11665421" y="2458541"/>
             <a:ext cx="2880320" cy="0"/>
           </a:xfrm>
           <a:prstGeom prst="line">
@@ -4740,7 +4671,7 @@
         </p:nvCxnSpPr>
         <p:spPr>
           <a:xfrm>
-            <a:off x="13105581" y="1666453"/>
+            <a:off x="13105581" y="1594445"/>
             <a:ext cx="0" cy="864096"/>
           </a:xfrm>
           <a:prstGeom prst="line">
@@ -4770,7 +4701,7 @@
         </p:nvSpPr>
         <p:spPr>
           <a:xfrm>
-            <a:off x="12241485" y="2818581"/>
+            <a:off x="12241485" y="2746573"/>
             <a:ext cx="2026196" cy="923330"/>
           </a:xfrm>
           <a:prstGeom prst="rect">
@@ -4792,13 +4723,8 @@
           <a:p>
             <a:r>
               <a:rPr lang="en-US" altLang="zh-CN" dirty="0" smtClean="0"/>
-              <a:t> </a:t>
-            </a:r>
-            <a:r>
-              <a:rPr lang="en-US" altLang="zh-CN" dirty="0" smtClean="0"/>
-              <a:t>console.log(n); // 0</a:t>
-            </a:r>
-            <a:endParaRPr lang="en-US" altLang="zh-CN" dirty="0" smtClean="0"/>
+              <a:t> console.log(n); // 0</a:t>
+            </a:r>
           </a:p>
           <a:p>
             <a:endParaRPr lang="zh-CN" altLang="en-US" dirty="0"/>
